--- a/ppt 16-9/0654.主爱最长久.pptx
+++ b/ppt 16-9/0654.主爱最长久.pptx
@@ -5,7 +5,7 @@
     <p:sldMasterId id="2147483648" r:id="rId1"/>
   </p:sldMasterIdLst>
   <p:sldIdLst>
-    <p:sldId id="2457" r:id="rId2"/>
+    <p:sldId id="2458" r:id="rId2"/>
   </p:sldIdLst>
   <p:sldSz cx="12192000" cy="6858000"/>
   <p:notesSz cx="6858000" cy="9144000"/>
@@ -129,7 +129,7 @@
           <p:cNvPr id="2" name="标题 1">
             <a:extLst>
               <a:ext uri="{FF2B5EF4-FFF2-40B4-BE49-F238E27FC236}">
-                <a16:creationId xmlns:a16="http://schemas.microsoft.com/office/drawing/2014/main" id="{6C4ED116-3372-4D68-62FD-ED203F65A258}"/>
+                <a16:creationId xmlns:a16="http://schemas.microsoft.com/office/drawing/2014/main" id="{C64B402D-3FD3-6CBA-84FD-B6DA8F31C02E}"/>
               </a:ext>
             </a:extLst>
           </p:cNvPr>
@@ -166,7 +166,7 @@
           <p:cNvPr id="3" name="副标题 2">
             <a:extLst>
               <a:ext uri="{FF2B5EF4-FFF2-40B4-BE49-F238E27FC236}">
-                <a16:creationId xmlns:a16="http://schemas.microsoft.com/office/drawing/2014/main" id="{DD13A2C7-F9F5-254B-74AF-5FE9E30F1437}"/>
+                <a16:creationId xmlns:a16="http://schemas.microsoft.com/office/drawing/2014/main" id="{08BF4815-E552-2354-AD12-22BE66FB0DBE}"/>
               </a:ext>
             </a:extLst>
           </p:cNvPr>
@@ -236,7 +236,7 @@
           <p:cNvPr id="4" name="日期占位符 3">
             <a:extLst>
               <a:ext uri="{FF2B5EF4-FFF2-40B4-BE49-F238E27FC236}">
-                <a16:creationId xmlns:a16="http://schemas.microsoft.com/office/drawing/2014/main" id="{24DA497A-0BF9-469D-3E08-5157790B7F15}"/>
+                <a16:creationId xmlns:a16="http://schemas.microsoft.com/office/drawing/2014/main" id="{A5C28639-8F03-1160-2A08-8A26BF2C3D48}"/>
               </a:ext>
             </a:extLst>
           </p:cNvPr>
@@ -252,7 +252,7 @@
           <a:bodyPr/>
           <a:lstStyle/>
           <a:p>
-            <a:fld id="{6B35CAD3-85FB-460F-8C81-62ABADBA3E1A}" type="datetimeFigureOut">
+            <a:fld id="{C525F6BB-8CC6-4610-9718-5933B464ED27}" type="datetimeFigureOut">
               <a:rPr lang="zh-CN" altLang="en-US" smtClean="0"/>
               <a:t>2024/3/10</a:t>
             </a:fld>
@@ -265,7 +265,7 @@
           <p:cNvPr id="5" name="页脚占位符 4">
             <a:extLst>
               <a:ext uri="{FF2B5EF4-FFF2-40B4-BE49-F238E27FC236}">
-                <a16:creationId xmlns:a16="http://schemas.microsoft.com/office/drawing/2014/main" id="{C19D4AC5-A3B0-5542-EF52-38A4F3D025AA}"/>
+                <a16:creationId xmlns:a16="http://schemas.microsoft.com/office/drawing/2014/main" id="{2BB4227B-50B4-95E0-D458-C1F609B4CCE6}"/>
               </a:ext>
             </a:extLst>
           </p:cNvPr>
@@ -290,7 +290,7 @@
           <p:cNvPr id="6" name="灯片编号占位符 5">
             <a:extLst>
               <a:ext uri="{FF2B5EF4-FFF2-40B4-BE49-F238E27FC236}">
-                <a16:creationId xmlns:a16="http://schemas.microsoft.com/office/drawing/2014/main" id="{63C8F2A3-4B5C-3EF2-3B71-3B7EDD17EE8C}"/>
+                <a16:creationId xmlns:a16="http://schemas.microsoft.com/office/drawing/2014/main" id="{18C38FD9-F507-D464-0414-1BF87CB7F55F}"/>
               </a:ext>
             </a:extLst>
           </p:cNvPr>
@@ -306,7 +306,7 @@
           <a:bodyPr/>
           <a:lstStyle/>
           <a:p>
-            <a:fld id="{74457D09-82B4-49DE-9B08-5395770F5DB5}" type="slidenum">
+            <a:fld id="{76841234-BA06-479D-A2E0-90F56F3B0387}" type="slidenum">
               <a:rPr lang="zh-CN" altLang="en-US" smtClean="0"/>
               <a:t>‹#›</a:t>
             </a:fld>
@@ -317,7 +317,7 @@
     </p:spTree>
     <p:extLst>
       <p:ext uri="{BB962C8B-B14F-4D97-AF65-F5344CB8AC3E}">
-        <p14:creationId xmlns:p14="http://schemas.microsoft.com/office/powerpoint/2010/main" val="1700368602"/>
+        <p14:creationId xmlns:p14="http://schemas.microsoft.com/office/powerpoint/2010/main" val="3323327180"/>
       </p:ext>
     </p:extLst>
   </p:cSld>
@@ -349,7 +349,7 @@
           <p:cNvPr id="2" name="标题 1">
             <a:extLst>
               <a:ext uri="{FF2B5EF4-FFF2-40B4-BE49-F238E27FC236}">
-                <a16:creationId xmlns:a16="http://schemas.microsoft.com/office/drawing/2014/main" id="{899A97E3-B543-5443-501B-B7CF5F099146}"/>
+                <a16:creationId xmlns:a16="http://schemas.microsoft.com/office/drawing/2014/main" id="{CDDC73EE-E41E-A757-BD4E-53250C1BD98B}"/>
               </a:ext>
             </a:extLst>
           </p:cNvPr>
@@ -377,7 +377,7 @@
           <p:cNvPr id="3" name="竖排文字占位符 2">
             <a:extLst>
               <a:ext uri="{FF2B5EF4-FFF2-40B4-BE49-F238E27FC236}">
-                <a16:creationId xmlns:a16="http://schemas.microsoft.com/office/drawing/2014/main" id="{2B49486E-56C3-5758-DCB4-288FF459BF48}"/>
+                <a16:creationId xmlns:a16="http://schemas.microsoft.com/office/drawing/2014/main" id="{750E382A-E5EB-D43E-4719-66D94EC7E61E}"/>
               </a:ext>
             </a:extLst>
           </p:cNvPr>
@@ -434,7 +434,7 @@
           <p:cNvPr id="4" name="日期占位符 3">
             <a:extLst>
               <a:ext uri="{FF2B5EF4-FFF2-40B4-BE49-F238E27FC236}">
-                <a16:creationId xmlns:a16="http://schemas.microsoft.com/office/drawing/2014/main" id="{5DB72E79-FADD-8225-6F54-C83D7EE11B2E}"/>
+                <a16:creationId xmlns:a16="http://schemas.microsoft.com/office/drawing/2014/main" id="{63A8FD42-D352-59EC-A6E5-35DAEECADF59}"/>
               </a:ext>
             </a:extLst>
           </p:cNvPr>
@@ -450,7 +450,7 @@
           <a:bodyPr/>
           <a:lstStyle/>
           <a:p>
-            <a:fld id="{6B35CAD3-85FB-460F-8C81-62ABADBA3E1A}" type="datetimeFigureOut">
+            <a:fld id="{C525F6BB-8CC6-4610-9718-5933B464ED27}" type="datetimeFigureOut">
               <a:rPr lang="zh-CN" altLang="en-US" smtClean="0"/>
               <a:t>2024/3/10</a:t>
             </a:fld>
@@ -463,7 +463,7 @@
           <p:cNvPr id="5" name="页脚占位符 4">
             <a:extLst>
               <a:ext uri="{FF2B5EF4-FFF2-40B4-BE49-F238E27FC236}">
-                <a16:creationId xmlns:a16="http://schemas.microsoft.com/office/drawing/2014/main" id="{36D11D18-2CCD-5A5A-03F2-A38CAB57A660}"/>
+                <a16:creationId xmlns:a16="http://schemas.microsoft.com/office/drawing/2014/main" id="{5ED941E0-ECC5-B613-9041-CE00E2FB872F}"/>
               </a:ext>
             </a:extLst>
           </p:cNvPr>
@@ -488,7 +488,7 @@
           <p:cNvPr id="6" name="灯片编号占位符 5">
             <a:extLst>
               <a:ext uri="{FF2B5EF4-FFF2-40B4-BE49-F238E27FC236}">
-                <a16:creationId xmlns:a16="http://schemas.microsoft.com/office/drawing/2014/main" id="{016CCF72-6C76-1A20-5BD0-4CF5B01C1278}"/>
+                <a16:creationId xmlns:a16="http://schemas.microsoft.com/office/drawing/2014/main" id="{0B2377FA-995B-4234-4592-F341AA9CD1B7}"/>
               </a:ext>
             </a:extLst>
           </p:cNvPr>
@@ -504,7 +504,7 @@
           <a:bodyPr/>
           <a:lstStyle/>
           <a:p>
-            <a:fld id="{74457D09-82B4-49DE-9B08-5395770F5DB5}" type="slidenum">
+            <a:fld id="{76841234-BA06-479D-A2E0-90F56F3B0387}" type="slidenum">
               <a:rPr lang="zh-CN" altLang="en-US" smtClean="0"/>
               <a:t>‹#›</a:t>
             </a:fld>
@@ -515,7 +515,7 @@
     </p:spTree>
     <p:extLst>
       <p:ext uri="{BB962C8B-B14F-4D97-AF65-F5344CB8AC3E}">
-        <p14:creationId xmlns:p14="http://schemas.microsoft.com/office/powerpoint/2010/main" val="2734829982"/>
+        <p14:creationId xmlns:p14="http://schemas.microsoft.com/office/powerpoint/2010/main" val="2153800084"/>
       </p:ext>
     </p:extLst>
   </p:cSld>
@@ -547,7 +547,7 @@
           <p:cNvPr id="2" name="竖排标题 1">
             <a:extLst>
               <a:ext uri="{FF2B5EF4-FFF2-40B4-BE49-F238E27FC236}">
-                <a16:creationId xmlns:a16="http://schemas.microsoft.com/office/drawing/2014/main" id="{BC2E851D-C919-0CD3-0770-9CDDF6DB1C9F}"/>
+                <a16:creationId xmlns:a16="http://schemas.microsoft.com/office/drawing/2014/main" id="{E5C122F2-B490-1AFD-CF8C-0095BDCA80EE}"/>
               </a:ext>
             </a:extLst>
           </p:cNvPr>
@@ -580,7 +580,7 @@
           <p:cNvPr id="3" name="竖排文字占位符 2">
             <a:extLst>
               <a:ext uri="{FF2B5EF4-FFF2-40B4-BE49-F238E27FC236}">
-                <a16:creationId xmlns:a16="http://schemas.microsoft.com/office/drawing/2014/main" id="{DA9CB2D9-7424-C017-1040-29C55B121CF0}"/>
+                <a16:creationId xmlns:a16="http://schemas.microsoft.com/office/drawing/2014/main" id="{5C22FB5E-216D-ECC7-AC07-223CF32769AF}"/>
               </a:ext>
             </a:extLst>
           </p:cNvPr>
@@ -642,7 +642,7 @@
           <p:cNvPr id="4" name="日期占位符 3">
             <a:extLst>
               <a:ext uri="{FF2B5EF4-FFF2-40B4-BE49-F238E27FC236}">
-                <a16:creationId xmlns:a16="http://schemas.microsoft.com/office/drawing/2014/main" id="{74A6DD90-D19B-F9F4-7238-E771F861404C}"/>
+                <a16:creationId xmlns:a16="http://schemas.microsoft.com/office/drawing/2014/main" id="{5239DADB-D3CA-0CDD-DA67-15E01FC9892A}"/>
               </a:ext>
             </a:extLst>
           </p:cNvPr>
@@ -658,7 +658,7 @@
           <a:bodyPr/>
           <a:lstStyle/>
           <a:p>
-            <a:fld id="{6B35CAD3-85FB-460F-8C81-62ABADBA3E1A}" type="datetimeFigureOut">
+            <a:fld id="{C525F6BB-8CC6-4610-9718-5933B464ED27}" type="datetimeFigureOut">
               <a:rPr lang="zh-CN" altLang="en-US" smtClean="0"/>
               <a:t>2024/3/10</a:t>
             </a:fld>
@@ -671,7 +671,7 @@
           <p:cNvPr id="5" name="页脚占位符 4">
             <a:extLst>
               <a:ext uri="{FF2B5EF4-FFF2-40B4-BE49-F238E27FC236}">
-                <a16:creationId xmlns:a16="http://schemas.microsoft.com/office/drawing/2014/main" id="{4E5FA935-2F00-EA86-FD77-D115811489E0}"/>
+                <a16:creationId xmlns:a16="http://schemas.microsoft.com/office/drawing/2014/main" id="{A027FD82-4F74-0343-BACD-19141EFE6FEB}"/>
               </a:ext>
             </a:extLst>
           </p:cNvPr>
@@ -696,7 +696,7 @@
           <p:cNvPr id="6" name="灯片编号占位符 5">
             <a:extLst>
               <a:ext uri="{FF2B5EF4-FFF2-40B4-BE49-F238E27FC236}">
-                <a16:creationId xmlns:a16="http://schemas.microsoft.com/office/drawing/2014/main" id="{F9A02EF8-3D0A-7034-1A9E-5F750AD948E6}"/>
+                <a16:creationId xmlns:a16="http://schemas.microsoft.com/office/drawing/2014/main" id="{1364D4AE-C92B-0A2A-410E-121246E371EC}"/>
               </a:ext>
             </a:extLst>
           </p:cNvPr>
@@ -712,7 +712,7 @@
           <a:bodyPr/>
           <a:lstStyle/>
           <a:p>
-            <a:fld id="{74457D09-82B4-49DE-9B08-5395770F5DB5}" type="slidenum">
+            <a:fld id="{76841234-BA06-479D-A2E0-90F56F3B0387}" type="slidenum">
               <a:rPr lang="zh-CN" altLang="en-US" smtClean="0"/>
               <a:t>‹#›</a:t>
             </a:fld>
@@ -723,7 +723,7 @@
     </p:spTree>
     <p:extLst>
       <p:ext uri="{BB962C8B-B14F-4D97-AF65-F5344CB8AC3E}">
-        <p14:creationId xmlns:p14="http://schemas.microsoft.com/office/powerpoint/2010/main" val="424781881"/>
+        <p14:creationId xmlns:p14="http://schemas.microsoft.com/office/powerpoint/2010/main" val="3024267116"/>
       </p:ext>
     </p:extLst>
   </p:cSld>
@@ -755,7 +755,7 @@
           <p:cNvPr id="2" name="标题 1">
             <a:extLst>
               <a:ext uri="{FF2B5EF4-FFF2-40B4-BE49-F238E27FC236}">
-                <a16:creationId xmlns:a16="http://schemas.microsoft.com/office/drawing/2014/main" id="{3E94CF19-C54B-9083-012B-B6BEF772837F}"/>
+                <a16:creationId xmlns:a16="http://schemas.microsoft.com/office/drawing/2014/main" id="{C37D3E4F-5F08-C2B1-4479-DC069F6D0D69}"/>
               </a:ext>
             </a:extLst>
           </p:cNvPr>
@@ -783,7 +783,7 @@
           <p:cNvPr id="3" name="内容占位符 2">
             <a:extLst>
               <a:ext uri="{FF2B5EF4-FFF2-40B4-BE49-F238E27FC236}">
-                <a16:creationId xmlns:a16="http://schemas.microsoft.com/office/drawing/2014/main" id="{3054A25D-D609-7911-322B-BB9FD857FE16}"/>
+                <a16:creationId xmlns:a16="http://schemas.microsoft.com/office/drawing/2014/main" id="{52CF33A1-C167-94A7-BD33-3A556262AE63}"/>
               </a:ext>
             </a:extLst>
           </p:cNvPr>
@@ -840,7 +840,7 @@
           <p:cNvPr id="4" name="日期占位符 3">
             <a:extLst>
               <a:ext uri="{FF2B5EF4-FFF2-40B4-BE49-F238E27FC236}">
-                <a16:creationId xmlns:a16="http://schemas.microsoft.com/office/drawing/2014/main" id="{0A76A1E4-DA6F-8CB1-B8DA-2C9B29C30518}"/>
+                <a16:creationId xmlns:a16="http://schemas.microsoft.com/office/drawing/2014/main" id="{FDE65B7A-FB03-1DDE-25EA-0383DD6D2901}"/>
               </a:ext>
             </a:extLst>
           </p:cNvPr>
@@ -856,7 +856,7 @@
           <a:bodyPr/>
           <a:lstStyle/>
           <a:p>
-            <a:fld id="{6B35CAD3-85FB-460F-8C81-62ABADBA3E1A}" type="datetimeFigureOut">
+            <a:fld id="{C525F6BB-8CC6-4610-9718-5933B464ED27}" type="datetimeFigureOut">
               <a:rPr lang="zh-CN" altLang="en-US" smtClean="0"/>
               <a:t>2024/3/10</a:t>
             </a:fld>
@@ -869,7 +869,7 @@
           <p:cNvPr id="5" name="页脚占位符 4">
             <a:extLst>
               <a:ext uri="{FF2B5EF4-FFF2-40B4-BE49-F238E27FC236}">
-                <a16:creationId xmlns:a16="http://schemas.microsoft.com/office/drawing/2014/main" id="{1889AAFD-F761-4EA7-629E-11DE2FF71E7C}"/>
+                <a16:creationId xmlns:a16="http://schemas.microsoft.com/office/drawing/2014/main" id="{62EC7477-1FD4-D415-8A4E-405F23168999}"/>
               </a:ext>
             </a:extLst>
           </p:cNvPr>
@@ -894,7 +894,7 @@
           <p:cNvPr id="6" name="灯片编号占位符 5">
             <a:extLst>
               <a:ext uri="{FF2B5EF4-FFF2-40B4-BE49-F238E27FC236}">
-                <a16:creationId xmlns:a16="http://schemas.microsoft.com/office/drawing/2014/main" id="{91D4A082-5B8F-DCDD-51F1-02788E7CE100}"/>
+                <a16:creationId xmlns:a16="http://schemas.microsoft.com/office/drawing/2014/main" id="{B389D45E-295F-DD77-40AE-3F834F2019CF}"/>
               </a:ext>
             </a:extLst>
           </p:cNvPr>
@@ -910,7 +910,7 @@
           <a:bodyPr/>
           <a:lstStyle/>
           <a:p>
-            <a:fld id="{74457D09-82B4-49DE-9B08-5395770F5DB5}" type="slidenum">
+            <a:fld id="{76841234-BA06-479D-A2E0-90F56F3B0387}" type="slidenum">
               <a:rPr lang="zh-CN" altLang="en-US" smtClean="0"/>
               <a:t>‹#›</a:t>
             </a:fld>
@@ -921,7 +921,7 @@
     </p:spTree>
     <p:extLst>
       <p:ext uri="{BB962C8B-B14F-4D97-AF65-F5344CB8AC3E}">
-        <p14:creationId xmlns:p14="http://schemas.microsoft.com/office/powerpoint/2010/main" val="3983463895"/>
+        <p14:creationId xmlns:p14="http://schemas.microsoft.com/office/powerpoint/2010/main" val="2339255116"/>
       </p:ext>
     </p:extLst>
   </p:cSld>
@@ -953,7 +953,7 @@
           <p:cNvPr id="2" name="标题 1">
             <a:extLst>
               <a:ext uri="{FF2B5EF4-FFF2-40B4-BE49-F238E27FC236}">
-                <a16:creationId xmlns:a16="http://schemas.microsoft.com/office/drawing/2014/main" id="{8CCEE50E-49D1-A1C0-2671-B0D525DE3C2A}"/>
+                <a16:creationId xmlns:a16="http://schemas.microsoft.com/office/drawing/2014/main" id="{23079FF5-1C71-702F-AFC1-A9427409314C}"/>
               </a:ext>
             </a:extLst>
           </p:cNvPr>
@@ -990,7 +990,7 @@
           <p:cNvPr id="3" name="文本占位符 2">
             <a:extLst>
               <a:ext uri="{FF2B5EF4-FFF2-40B4-BE49-F238E27FC236}">
-                <a16:creationId xmlns:a16="http://schemas.microsoft.com/office/drawing/2014/main" id="{559B5952-C5AE-2F7A-F345-15E43EB19319}"/>
+                <a16:creationId xmlns:a16="http://schemas.microsoft.com/office/drawing/2014/main" id="{342A4B37-4B2F-877C-023D-CCF37DF68865}"/>
               </a:ext>
             </a:extLst>
           </p:cNvPr>
@@ -1115,7 +1115,7 @@
           <p:cNvPr id="4" name="日期占位符 3">
             <a:extLst>
               <a:ext uri="{FF2B5EF4-FFF2-40B4-BE49-F238E27FC236}">
-                <a16:creationId xmlns:a16="http://schemas.microsoft.com/office/drawing/2014/main" id="{28AD1F5B-77B9-8823-0F87-5A30C1402AAA}"/>
+                <a16:creationId xmlns:a16="http://schemas.microsoft.com/office/drawing/2014/main" id="{C4172F66-1941-1549-93DA-1A71A6072057}"/>
               </a:ext>
             </a:extLst>
           </p:cNvPr>
@@ -1131,7 +1131,7 @@
           <a:bodyPr/>
           <a:lstStyle/>
           <a:p>
-            <a:fld id="{6B35CAD3-85FB-460F-8C81-62ABADBA3E1A}" type="datetimeFigureOut">
+            <a:fld id="{C525F6BB-8CC6-4610-9718-5933B464ED27}" type="datetimeFigureOut">
               <a:rPr lang="zh-CN" altLang="en-US" smtClean="0"/>
               <a:t>2024/3/10</a:t>
             </a:fld>
@@ -1144,7 +1144,7 @@
           <p:cNvPr id="5" name="页脚占位符 4">
             <a:extLst>
               <a:ext uri="{FF2B5EF4-FFF2-40B4-BE49-F238E27FC236}">
-                <a16:creationId xmlns:a16="http://schemas.microsoft.com/office/drawing/2014/main" id="{4B71FDBE-F61C-1CC8-F508-3AEF531B2257}"/>
+                <a16:creationId xmlns:a16="http://schemas.microsoft.com/office/drawing/2014/main" id="{DFBFFA45-992C-684A-C127-7C87E0BCDDB6}"/>
               </a:ext>
             </a:extLst>
           </p:cNvPr>
@@ -1169,7 +1169,7 @@
           <p:cNvPr id="6" name="灯片编号占位符 5">
             <a:extLst>
               <a:ext uri="{FF2B5EF4-FFF2-40B4-BE49-F238E27FC236}">
-                <a16:creationId xmlns:a16="http://schemas.microsoft.com/office/drawing/2014/main" id="{A9890527-2ED8-3624-6319-6E7FD59CFD04}"/>
+                <a16:creationId xmlns:a16="http://schemas.microsoft.com/office/drawing/2014/main" id="{1D0DCE09-BC59-D8D9-07A9-B671A4C6D69B}"/>
               </a:ext>
             </a:extLst>
           </p:cNvPr>
@@ -1185,7 +1185,7 @@
           <a:bodyPr/>
           <a:lstStyle/>
           <a:p>
-            <a:fld id="{74457D09-82B4-49DE-9B08-5395770F5DB5}" type="slidenum">
+            <a:fld id="{76841234-BA06-479D-A2E0-90F56F3B0387}" type="slidenum">
               <a:rPr lang="zh-CN" altLang="en-US" smtClean="0"/>
               <a:t>‹#›</a:t>
             </a:fld>
@@ -1196,7 +1196,7 @@
     </p:spTree>
     <p:extLst>
       <p:ext uri="{BB962C8B-B14F-4D97-AF65-F5344CB8AC3E}">
-        <p14:creationId xmlns:p14="http://schemas.microsoft.com/office/powerpoint/2010/main" val="2909196688"/>
+        <p14:creationId xmlns:p14="http://schemas.microsoft.com/office/powerpoint/2010/main" val="4116041779"/>
       </p:ext>
     </p:extLst>
   </p:cSld>
@@ -1228,7 +1228,7 @@
           <p:cNvPr id="2" name="标题 1">
             <a:extLst>
               <a:ext uri="{FF2B5EF4-FFF2-40B4-BE49-F238E27FC236}">
-                <a16:creationId xmlns:a16="http://schemas.microsoft.com/office/drawing/2014/main" id="{24C78D92-C3E9-5C4C-F8EF-F0DA99593CC6}"/>
+                <a16:creationId xmlns:a16="http://schemas.microsoft.com/office/drawing/2014/main" id="{90D2C2B7-A9E1-733C-13BE-F2C7F953D128}"/>
               </a:ext>
             </a:extLst>
           </p:cNvPr>
@@ -1256,7 +1256,7 @@
           <p:cNvPr id="3" name="内容占位符 2">
             <a:extLst>
               <a:ext uri="{FF2B5EF4-FFF2-40B4-BE49-F238E27FC236}">
-                <a16:creationId xmlns:a16="http://schemas.microsoft.com/office/drawing/2014/main" id="{7393694E-EE01-AAFB-9063-EA29C23B6ADC}"/>
+                <a16:creationId xmlns:a16="http://schemas.microsoft.com/office/drawing/2014/main" id="{6BB17137-A35B-0DD0-9B89-622B8D95E045}"/>
               </a:ext>
             </a:extLst>
           </p:cNvPr>
@@ -1318,7 +1318,7 @@
           <p:cNvPr id="4" name="内容占位符 3">
             <a:extLst>
               <a:ext uri="{FF2B5EF4-FFF2-40B4-BE49-F238E27FC236}">
-                <a16:creationId xmlns:a16="http://schemas.microsoft.com/office/drawing/2014/main" id="{F2280F4C-09A6-CF95-85CA-032155E2E152}"/>
+                <a16:creationId xmlns:a16="http://schemas.microsoft.com/office/drawing/2014/main" id="{D69F2246-B054-F845-3924-0BCAF3A27291}"/>
               </a:ext>
             </a:extLst>
           </p:cNvPr>
@@ -1380,7 +1380,7 @@
           <p:cNvPr id="5" name="日期占位符 4">
             <a:extLst>
               <a:ext uri="{FF2B5EF4-FFF2-40B4-BE49-F238E27FC236}">
-                <a16:creationId xmlns:a16="http://schemas.microsoft.com/office/drawing/2014/main" id="{0257AFDD-F0E5-AD89-7218-6378FA03DE3E}"/>
+                <a16:creationId xmlns:a16="http://schemas.microsoft.com/office/drawing/2014/main" id="{F7A27548-0048-9EDF-02BA-059447E20175}"/>
               </a:ext>
             </a:extLst>
           </p:cNvPr>
@@ -1396,7 +1396,7 @@
           <a:bodyPr/>
           <a:lstStyle/>
           <a:p>
-            <a:fld id="{6B35CAD3-85FB-460F-8C81-62ABADBA3E1A}" type="datetimeFigureOut">
+            <a:fld id="{C525F6BB-8CC6-4610-9718-5933B464ED27}" type="datetimeFigureOut">
               <a:rPr lang="zh-CN" altLang="en-US" smtClean="0"/>
               <a:t>2024/3/10</a:t>
             </a:fld>
@@ -1409,7 +1409,7 @@
           <p:cNvPr id="6" name="页脚占位符 5">
             <a:extLst>
               <a:ext uri="{FF2B5EF4-FFF2-40B4-BE49-F238E27FC236}">
-                <a16:creationId xmlns:a16="http://schemas.microsoft.com/office/drawing/2014/main" id="{AB475F66-77FF-55BD-83E3-3CF630DFD35E}"/>
+                <a16:creationId xmlns:a16="http://schemas.microsoft.com/office/drawing/2014/main" id="{F3AE6492-7212-57A1-0C6A-D115508F7F98}"/>
               </a:ext>
             </a:extLst>
           </p:cNvPr>
@@ -1434,7 +1434,7 @@
           <p:cNvPr id="7" name="灯片编号占位符 6">
             <a:extLst>
               <a:ext uri="{FF2B5EF4-FFF2-40B4-BE49-F238E27FC236}">
-                <a16:creationId xmlns:a16="http://schemas.microsoft.com/office/drawing/2014/main" id="{B32C33B6-763C-8BED-025E-E37EF14BBF64}"/>
+                <a16:creationId xmlns:a16="http://schemas.microsoft.com/office/drawing/2014/main" id="{2D656527-83E4-D0EE-4883-D770DBDA789C}"/>
               </a:ext>
             </a:extLst>
           </p:cNvPr>
@@ -1450,7 +1450,7 @@
           <a:bodyPr/>
           <a:lstStyle/>
           <a:p>
-            <a:fld id="{74457D09-82B4-49DE-9B08-5395770F5DB5}" type="slidenum">
+            <a:fld id="{76841234-BA06-479D-A2E0-90F56F3B0387}" type="slidenum">
               <a:rPr lang="zh-CN" altLang="en-US" smtClean="0"/>
               <a:t>‹#›</a:t>
             </a:fld>
@@ -1461,7 +1461,7 @@
     </p:spTree>
     <p:extLst>
       <p:ext uri="{BB962C8B-B14F-4D97-AF65-F5344CB8AC3E}">
-        <p14:creationId xmlns:p14="http://schemas.microsoft.com/office/powerpoint/2010/main" val="3434246741"/>
+        <p14:creationId xmlns:p14="http://schemas.microsoft.com/office/powerpoint/2010/main" val="3240232465"/>
       </p:ext>
     </p:extLst>
   </p:cSld>
@@ -1493,7 +1493,7 @@
           <p:cNvPr id="2" name="标题 1">
             <a:extLst>
               <a:ext uri="{FF2B5EF4-FFF2-40B4-BE49-F238E27FC236}">
-                <a16:creationId xmlns:a16="http://schemas.microsoft.com/office/drawing/2014/main" id="{5FF33F22-587D-F674-DAFF-59866EE294D7}"/>
+                <a16:creationId xmlns:a16="http://schemas.microsoft.com/office/drawing/2014/main" id="{EAC1ACB8-9FD3-0198-C212-0F1FEC9DE501}"/>
               </a:ext>
             </a:extLst>
           </p:cNvPr>
@@ -1526,7 +1526,7 @@
           <p:cNvPr id="3" name="文本占位符 2">
             <a:extLst>
               <a:ext uri="{FF2B5EF4-FFF2-40B4-BE49-F238E27FC236}">
-                <a16:creationId xmlns:a16="http://schemas.microsoft.com/office/drawing/2014/main" id="{BDFB36DC-E260-1AB1-3549-315F8525348C}"/>
+                <a16:creationId xmlns:a16="http://schemas.microsoft.com/office/drawing/2014/main" id="{E337DABC-3EE8-DB83-7DF6-282DBCA58129}"/>
               </a:ext>
             </a:extLst>
           </p:cNvPr>
@@ -1597,7 +1597,7 @@
           <p:cNvPr id="4" name="内容占位符 3">
             <a:extLst>
               <a:ext uri="{FF2B5EF4-FFF2-40B4-BE49-F238E27FC236}">
-                <a16:creationId xmlns:a16="http://schemas.microsoft.com/office/drawing/2014/main" id="{A1BB2ED7-6310-D3FD-466A-07F7719518A7}"/>
+                <a16:creationId xmlns:a16="http://schemas.microsoft.com/office/drawing/2014/main" id="{FAC936BC-5121-2D96-B7C4-6DC43759D7A9}"/>
               </a:ext>
             </a:extLst>
           </p:cNvPr>
@@ -1659,7 +1659,7 @@
           <p:cNvPr id="5" name="文本占位符 4">
             <a:extLst>
               <a:ext uri="{FF2B5EF4-FFF2-40B4-BE49-F238E27FC236}">
-                <a16:creationId xmlns:a16="http://schemas.microsoft.com/office/drawing/2014/main" id="{C2D81BF4-827A-BC7C-1A08-E2348A9296F6}"/>
+                <a16:creationId xmlns:a16="http://schemas.microsoft.com/office/drawing/2014/main" id="{B3398BFC-F803-B544-9B51-782A6A7B8358}"/>
               </a:ext>
             </a:extLst>
           </p:cNvPr>
@@ -1730,7 +1730,7 @@
           <p:cNvPr id="6" name="内容占位符 5">
             <a:extLst>
               <a:ext uri="{FF2B5EF4-FFF2-40B4-BE49-F238E27FC236}">
-                <a16:creationId xmlns:a16="http://schemas.microsoft.com/office/drawing/2014/main" id="{44C1F5CE-8DB2-147F-ED84-349CC9F8DE1B}"/>
+                <a16:creationId xmlns:a16="http://schemas.microsoft.com/office/drawing/2014/main" id="{DEBCA3EA-7AB7-267D-4452-AE882ADEAF69}"/>
               </a:ext>
             </a:extLst>
           </p:cNvPr>
@@ -1792,7 +1792,7 @@
           <p:cNvPr id="7" name="日期占位符 6">
             <a:extLst>
               <a:ext uri="{FF2B5EF4-FFF2-40B4-BE49-F238E27FC236}">
-                <a16:creationId xmlns:a16="http://schemas.microsoft.com/office/drawing/2014/main" id="{82DD0776-F414-F3DC-8765-24BEE5F497C3}"/>
+                <a16:creationId xmlns:a16="http://schemas.microsoft.com/office/drawing/2014/main" id="{CFC65EE3-4382-8B3E-22C5-40F9AF202B08}"/>
               </a:ext>
             </a:extLst>
           </p:cNvPr>
@@ -1808,7 +1808,7 @@
           <a:bodyPr/>
           <a:lstStyle/>
           <a:p>
-            <a:fld id="{6B35CAD3-85FB-460F-8C81-62ABADBA3E1A}" type="datetimeFigureOut">
+            <a:fld id="{C525F6BB-8CC6-4610-9718-5933B464ED27}" type="datetimeFigureOut">
               <a:rPr lang="zh-CN" altLang="en-US" smtClean="0"/>
               <a:t>2024/3/10</a:t>
             </a:fld>
@@ -1821,7 +1821,7 @@
           <p:cNvPr id="8" name="页脚占位符 7">
             <a:extLst>
               <a:ext uri="{FF2B5EF4-FFF2-40B4-BE49-F238E27FC236}">
-                <a16:creationId xmlns:a16="http://schemas.microsoft.com/office/drawing/2014/main" id="{AC6EEB89-22AB-CCF4-4115-8385BD64BB40}"/>
+                <a16:creationId xmlns:a16="http://schemas.microsoft.com/office/drawing/2014/main" id="{B8150B06-AE92-157B-910C-496692CF4688}"/>
               </a:ext>
             </a:extLst>
           </p:cNvPr>
@@ -1846,7 +1846,7 @@
           <p:cNvPr id="9" name="灯片编号占位符 8">
             <a:extLst>
               <a:ext uri="{FF2B5EF4-FFF2-40B4-BE49-F238E27FC236}">
-                <a16:creationId xmlns:a16="http://schemas.microsoft.com/office/drawing/2014/main" id="{EBD64A4B-CAB9-5EE3-D73F-59E3EB621505}"/>
+                <a16:creationId xmlns:a16="http://schemas.microsoft.com/office/drawing/2014/main" id="{495368A0-0CEB-C3CC-1038-573489527104}"/>
               </a:ext>
             </a:extLst>
           </p:cNvPr>
@@ -1862,7 +1862,7 @@
           <a:bodyPr/>
           <a:lstStyle/>
           <a:p>
-            <a:fld id="{74457D09-82B4-49DE-9B08-5395770F5DB5}" type="slidenum">
+            <a:fld id="{76841234-BA06-479D-A2E0-90F56F3B0387}" type="slidenum">
               <a:rPr lang="zh-CN" altLang="en-US" smtClean="0"/>
               <a:t>‹#›</a:t>
             </a:fld>
@@ -1873,7 +1873,7 @@
     </p:spTree>
     <p:extLst>
       <p:ext uri="{BB962C8B-B14F-4D97-AF65-F5344CB8AC3E}">
-        <p14:creationId xmlns:p14="http://schemas.microsoft.com/office/powerpoint/2010/main" val="240939327"/>
+        <p14:creationId xmlns:p14="http://schemas.microsoft.com/office/powerpoint/2010/main" val="3174210436"/>
       </p:ext>
     </p:extLst>
   </p:cSld>
@@ -1905,7 +1905,7 @@
           <p:cNvPr id="2" name="标题 1">
             <a:extLst>
               <a:ext uri="{FF2B5EF4-FFF2-40B4-BE49-F238E27FC236}">
-                <a16:creationId xmlns:a16="http://schemas.microsoft.com/office/drawing/2014/main" id="{36EBABAB-0A2D-1069-D91C-9D17ACC92D6E}"/>
+                <a16:creationId xmlns:a16="http://schemas.microsoft.com/office/drawing/2014/main" id="{D6C9F347-C68F-4827-C677-CBEF445496FB}"/>
               </a:ext>
             </a:extLst>
           </p:cNvPr>
@@ -1933,7 +1933,7 @@
           <p:cNvPr id="3" name="日期占位符 2">
             <a:extLst>
               <a:ext uri="{FF2B5EF4-FFF2-40B4-BE49-F238E27FC236}">
-                <a16:creationId xmlns:a16="http://schemas.microsoft.com/office/drawing/2014/main" id="{E6CFA9B2-34DB-294F-1126-A3A0667278F1}"/>
+                <a16:creationId xmlns:a16="http://schemas.microsoft.com/office/drawing/2014/main" id="{9FB9E87F-E0F1-1A27-8863-E1FB909FE443}"/>
               </a:ext>
             </a:extLst>
           </p:cNvPr>
@@ -1949,7 +1949,7 @@
           <a:bodyPr/>
           <a:lstStyle/>
           <a:p>
-            <a:fld id="{6B35CAD3-85FB-460F-8C81-62ABADBA3E1A}" type="datetimeFigureOut">
+            <a:fld id="{C525F6BB-8CC6-4610-9718-5933B464ED27}" type="datetimeFigureOut">
               <a:rPr lang="zh-CN" altLang="en-US" smtClean="0"/>
               <a:t>2024/3/10</a:t>
             </a:fld>
@@ -1962,7 +1962,7 @@
           <p:cNvPr id="4" name="页脚占位符 3">
             <a:extLst>
               <a:ext uri="{FF2B5EF4-FFF2-40B4-BE49-F238E27FC236}">
-                <a16:creationId xmlns:a16="http://schemas.microsoft.com/office/drawing/2014/main" id="{DC6B1408-331A-3E48-1EE7-74D78D626DD8}"/>
+                <a16:creationId xmlns:a16="http://schemas.microsoft.com/office/drawing/2014/main" id="{16ECBAD4-DD49-D7E1-0649-5D3B3DE352A2}"/>
               </a:ext>
             </a:extLst>
           </p:cNvPr>
@@ -1987,7 +1987,7 @@
           <p:cNvPr id="5" name="灯片编号占位符 4">
             <a:extLst>
               <a:ext uri="{FF2B5EF4-FFF2-40B4-BE49-F238E27FC236}">
-                <a16:creationId xmlns:a16="http://schemas.microsoft.com/office/drawing/2014/main" id="{70C8C48E-E18B-E2AC-AA72-BD1BB7EA7B88}"/>
+                <a16:creationId xmlns:a16="http://schemas.microsoft.com/office/drawing/2014/main" id="{90C63F71-3DD7-DAE2-EAC8-BEE82ADB90EC}"/>
               </a:ext>
             </a:extLst>
           </p:cNvPr>
@@ -2003,7 +2003,7 @@
           <a:bodyPr/>
           <a:lstStyle/>
           <a:p>
-            <a:fld id="{74457D09-82B4-49DE-9B08-5395770F5DB5}" type="slidenum">
+            <a:fld id="{76841234-BA06-479D-A2E0-90F56F3B0387}" type="slidenum">
               <a:rPr lang="zh-CN" altLang="en-US" smtClean="0"/>
               <a:t>‹#›</a:t>
             </a:fld>
@@ -2014,7 +2014,7 @@
     </p:spTree>
     <p:extLst>
       <p:ext uri="{BB962C8B-B14F-4D97-AF65-F5344CB8AC3E}">
-        <p14:creationId xmlns:p14="http://schemas.microsoft.com/office/powerpoint/2010/main" val="4264377981"/>
+        <p14:creationId xmlns:p14="http://schemas.microsoft.com/office/powerpoint/2010/main" val="1014468740"/>
       </p:ext>
     </p:extLst>
   </p:cSld>
@@ -2046,7 +2046,7 @@
           <p:cNvPr id="2" name="日期占位符 1">
             <a:extLst>
               <a:ext uri="{FF2B5EF4-FFF2-40B4-BE49-F238E27FC236}">
-                <a16:creationId xmlns:a16="http://schemas.microsoft.com/office/drawing/2014/main" id="{EDD58FFB-9705-1192-63F6-40F6A8DC50FD}"/>
+                <a16:creationId xmlns:a16="http://schemas.microsoft.com/office/drawing/2014/main" id="{F59FA285-9B3F-4272-2EFE-6463B35B723F}"/>
               </a:ext>
             </a:extLst>
           </p:cNvPr>
@@ -2062,7 +2062,7 @@
           <a:bodyPr/>
           <a:lstStyle/>
           <a:p>
-            <a:fld id="{6B35CAD3-85FB-460F-8C81-62ABADBA3E1A}" type="datetimeFigureOut">
+            <a:fld id="{C525F6BB-8CC6-4610-9718-5933B464ED27}" type="datetimeFigureOut">
               <a:rPr lang="zh-CN" altLang="en-US" smtClean="0"/>
               <a:t>2024/3/10</a:t>
             </a:fld>
@@ -2075,7 +2075,7 @@
           <p:cNvPr id="3" name="页脚占位符 2">
             <a:extLst>
               <a:ext uri="{FF2B5EF4-FFF2-40B4-BE49-F238E27FC236}">
-                <a16:creationId xmlns:a16="http://schemas.microsoft.com/office/drawing/2014/main" id="{F8B40137-2860-0FE8-79AF-A4021034D253}"/>
+                <a16:creationId xmlns:a16="http://schemas.microsoft.com/office/drawing/2014/main" id="{4A83DB79-ABA5-5D2E-A72B-11FCA5A1D92E}"/>
               </a:ext>
             </a:extLst>
           </p:cNvPr>
@@ -2100,7 +2100,7 @@
           <p:cNvPr id="4" name="灯片编号占位符 3">
             <a:extLst>
               <a:ext uri="{FF2B5EF4-FFF2-40B4-BE49-F238E27FC236}">
-                <a16:creationId xmlns:a16="http://schemas.microsoft.com/office/drawing/2014/main" id="{3BB05FEA-A26C-EDB0-8963-3A5C60387A6C}"/>
+                <a16:creationId xmlns:a16="http://schemas.microsoft.com/office/drawing/2014/main" id="{490150E7-A670-7701-18BD-2A693724C547}"/>
               </a:ext>
             </a:extLst>
           </p:cNvPr>
@@ -2116,7 +2116,7 @@
           <a:bodyPr/>
           <a:lstStyle/>
           <a:p>
-            <a:fld id="{74457D09-82B4-49DE-9B08-5395770F5DB5}" type="slidenum">
+            <a:fld id="{76841234-BA06-479D-A2E0-90F56F3B0387}" type="slidenum">
               <a:rPr lang="zh-CN" altLang="en-US" smtClean="0"/>
               <a:t>‹#›</a:t>
             </a:fld>
@@ -2127,7 +2127,7 @@
     </p:spTree>
     <p:extLst>
       <p:ext uri="{BB962C8B-B14F-4D97-AF65-F5344CB8AC3E}">
-        <p14:creationId xmlns:p14="http://schemas.microsoft.com/office/powerpoint/2010/main" val="3082299996"/>
+        <p14:creationId xmlns:p14="http://schemas.microsoft.com/office/powerpoint/2010/main" val="431330787"/>
       </p:ext>
     </p:extLst>
   </p:cSld>
@@ -2159,7 +2159,7 @@
           <p:cNvPr id="2" name="标题 1">
             <a:extLst>
               <a:ext uri="{FF2B5EF4-FFF2-40B4-BE49-F238E27FC236}">
-                <a16:creationId xmlns:a16="http://schemas.microsoft.com/office/drawing/2014/main" id="{374D43A3-9CFA-99AF-5657-5F0924FC0B77}"/>
+                <a16:creationId xmlns:a16="http://schemas.microsoft.com/office/drawing/2014/main" id="{913FE709-0A6B-18D1-DD52-DFAF4813E20B}"/>
               </a:ext>
             </a:extLst>
           </p:cNvPr>
@@ -2196,7 +2196,7 @@
           <p:cNvPr id="3" name="内容占位符 2">
             <a:extLst>
               <a:ext uri="{FF2B5EF4-FFF2-40B4-BE49-F238E27FC236}">
-                <a16:creationId xmlns:a16="http://schemas.microsoft.com/office/drawing/2014/main" id="{0C63F6B3-E53D-7731-089D-D9B55676AB9B}"/>
+                <a16:creationId xmlns:a16="http://schemas.microsoft.com/office/drawing/2014/main" id="{76895625-8B41-0DD8-38ED-2CF9C13DEB81}"/>
               </a:ext>
             </a:extLst>
           </p:cNvPr>
@@ -2286,7 +2286,7 @@
           <p:cNvPr id="4" name="文本占位符 3">
             <a:extLst>
               <a:ext uri="{FF2B5EF4-FFF2-40B4-BE49-F238E27FC236}">
-                <a16:creationId xmlns:a16="http://schemas.microsoft.com/office/drawing/2014/main" id="{FB07C0CC-0B13-C74E-B3AC-562569077F2C}"/>
+                <a16:creationId xmlns:a16="http://schemas.microsoft.com/office/drawing/2014/main" id="{AF02D0C4-96A3-5448-A022-6468007DD00F}"/>
               </a:ext>
             </a:extLst>
           </p:cNvPr>
@@ -2357,7 +2357,7 @@
           <p:cNvPr id="5" name="日期占位符 4">
             <a:extLst>
               <a:ext uri="{FF2B5EF4-FFF2-40B4-BE49-F238E27FC236}">
-                <a16:creationId xmlns:a16="http://schemas.microsoft.com/office/drawing/2014/main" id="{FD6DEDF2-FA11-9154-D18F-EA92E0E9F2E6}"/>
+                <a16:creationId xmlns:a16="http://schemas.microsoft.com/office/drawing/2014/main" id="{967925FB-107E-8B81-DD04-A429E2F324BE}"/>
               </a:ext>
             </a:extLst>
           </p:cNvPr>
@@ -2373,7 +2373,7 @@
           <a:bodyPr/>
           <a:lstStyle/>
           <a:p>
-            <a:fld id="{6B35CAD3-85FB-460F-8C81-62ABADBA3E1A}" type="datetimeFigureOut">
+            <a:fld id="{C525F6BB-8CC6-4610-9718-5933B464ED27}" type="datetimeFigureOut">
               <a:rPr lang="zh-CN" altLang="en-US" smtClean="0"/>
               <a:t>2024/3/10</a:t>
             </a:fld>
@@ -2386,7 +2386,7 @@
           <p:cNvPr id="6" name="页脚占位符 5">
             <a:extLst>
               <a:ext uri="{FF2B5EF4-FFF2-40B4-BE49-F238E27FC236}">
-                <a16:creationId xmlns:a16="http://schemas.microsoft.com/office/drawing/2014/main" id="{3B835661-8987-4EEB-FED8-1FD3EB6846A8}"/>
+                <a16:creationId xmlns:a16="http://schemas.microsoft.com/office/drawing/2014/main" id="{D19C34D2-61B1-A4B0-C992-3B97202B1531}"/>
               </a:ext>
             </a:extLst>
           </p:cNvPr>
@@ -2411,7 +2411,7 @@
           <p:cNvPr id="7" name="灯片编号占位符 6">
             <a:extLst>
               <a:ext uri="{FF2B5EF4-FFF2-40B4-BE49-F238E27FC236}">
-                <a16:creationId xmlns:a16="http://schemas.microsoft.com/office/drawing/2014/main" id="{DBE380BD-A885-DC13-4736-9A0AF5C50D4C}"/>
+                <a16:creationId xmlns:a16="http://schemas.microsoft.com/office/drawing/2014/main" id="{84BAF700-2119-69F2-6DDD-151D6757149E}"/>
               </a:ext>
             </a:extLst>
           </p:cNvPr>
@@ -2427,7 +2427,7 @@
           <a:bodyPr/>
           <a:lstStyle/>
           <a:p>
-            <a:fld id="{74457D09-82B4-49DE-9B08-5395770F5DB5}" type="slidenum">
+            <a:fld id="{76841234-BA06-479D-A2E0-90F56F3B0387}" type="slidenum">
               <a:rPr lang="zh-CN" altLang="en-US" smtClean="0"/>
               <a:t>‹#›</a:t>
             </a:fld>
@@ -2438,7 +2438,7 @@
     </p:spTree>
     <p:extLst>
       <p:ext uri="{BB962C8B-B14F-4D97-AF65-F5344CB8AC3E}">
-        <p14:creationId xmlns:p14="http://schemas.microsoft.com/office/powerpoint/2010/main" val="3296074789"/>
+        <p14:creationId xmlns:p14="http://schemas.microsoft.com/office/powerpoint/2010/main" val="2452082876"/>
       </p:ext>
     </p:extLst>
   </p:cSld>
@@ -2470,7 +2470,7 @@
           <p:cNvPr id="2" name="标题 1">
             <a:extLst>
               <a:ext uri="{FF2B5EF4-FFF2-40B4-BE49-F238E27FC236}">
-                <a16:creationId xmlns:a16="http://schemas.microsoft.com/office/drawing/2014/main" id="{6AF317A5-26AD-E1EF-323A-50A4A21025E5}"/>
+                <a16:creationId xmlns:a16="http://schemas.microsoft.com/office/drawing/2014/main" id="{39CDA3B5-FDDE-066F-64D1-DFBBEAC3F8C3}"/>
               </a:ext>
             </a:extLst>
           </p:cNvPr>
@@ -2507,7 +2507,7 @@
           <p:cNvPr id="3" name="图片占位符 2">
             <a:extLst>
               <a:ext uri="{FF2B5EF4-FFF2-40B4-BE49-F238E27FC236}">
-                <a16:creationId xmlns:a16="http://schemas.microsoft.com/office/drawing/2014/main" id="{FD3DB0F2-19B4-34EA-2E9C-72A67C164FAA}"/>
+                <a16:creationId xmlns:a16="http://schemas.microsoft.com/office/drawing/2014/main" id="{EA018A93-894E-E4AA-7D2A-EC8ED05FD28C}"/>
               </a:ext>
             </a:extLst>
           </p:cNvPr>
@@ -2574,7 +2574,7 @@
           <p:cNvPr id="4" name="文本占位符 3">
             <a:extLst>
               <a:ext uri="{FF2B5EF4-FFF2-40B4-BE49-F238E27FC236}">
-                <a16:creationId xmlns:a16="http://schemas.microsoft.com/office/drawing/2014/main" id="{6BAE8032-6331-8F3D-FA59-1E68E05D72EB}"/>
+                <a16:creationId xmlns:a16="http://schemas.microsoft.com/office/drawing/2014/main" id="{2A547097-BC09-9955-8C8A-3469E4018B12}"/>
               </a:ext>
             </a:extLst>
           </p:cNvPr>
@@ -2645,7 +2645,7 @@
           <p:cNvPr id="5" name="日期占位符 4">
             <a:extLst>
               <a:ext uri="{FF2B5EF4-FFF2-40B4-BE49-F238E27FC236}">
-                <a16:creationId xmlns:a16="http://schemas.microsoft.com/office/drawing/2014/main" id="{4D0B8D7F-DF63-13B3-69C8-119F897F1C3A}"/>
+                <a16:creationId xmlns:a16="http://schemas.microsoft.com/office/drawing/2014/main" id="{04E3A9D2-67B6-90EF-4DAA-A7257BEFB60F}"/>
               </a:ext>
             </a:extLst>
           </p:cNvPr>
@@ -2661,7 +2661,7 @@
           <a:bodyPr/>
           <a:lstStyle/>
           <a:p>
-            <a:fld id="{6B35CAD3-85FB-460F-8C81-62ABADBA3E1A}" type="datetimeFigureOut">
+            <a:fld id="{C525F6BB-8CC6-4610-9718-5933B464ED27}" type="datetimeFigureOut">
               <a:rPr lang="zh-CN" altLang="en-US" smtClean="0"/>
               <a:t>2024/3/10</a:t>
             </a:fld>
@@ -2674,7 +2674,7 @@
           <p:cNvPr id="6" name="页脚占位符 5">
             <a:extLst>
               <a:ext uri="{FF2B5EF4-FFF2-40B4-BE49-F238E27FC236}">
-                <a16:creationId xmlns:a16="http://schemas.microsoft.com/office/drawing/2014/main" id="{10C069D6-C29E-ED3C-FF47-A794418A92BB}"/>
+                <a16:creationId xmlns:a16="http://schemas.microsoft.com/office/drawing/2014/main" id="{34BD6FA4-3FA4-7A61-97C3-06FE3080AE88}"/>
               </a:ext>
             </a:extLst>
           </p:cNvPr>
@@ -2699,7 +2699,7 @@
           <p:cNvPr id="7" name="灯片编号占位符 6">
             <a:extLst>
               <a:ext uri="{FF2B5EF4-FFF2-40B4-BE49-F238E27FC236}">
-                <a16:creationId xmlns:a16="http://schemas.microsoft.com/office/drawing/2014/main" id="{CE692E9D-27B5-B4CA-A705-AE42AFE6A691}"/>
+                <a16:creationId xmlns:a16="http://schemas.microsoft.com/office/drawing/2014/main" id="{0997E067-2B83-2C1C-20E6-24521B686520}"/>
               </a:ext>
             </a:extLst>
           </p:cNvPr>
@@ -2715,7 +2715,7 @@
           <a:bodyPr/>
           <a:lstStyle/>
           <a:p>
-            <a:fld id="{74457D09-82B4-49DE-9B08-5395770F5DB5}" type="slidenum">
+            <a:fld id="{76841234-BA06-479D-A2E0-90F56F3B0387}" type="slidenum">
               <a:rPr lang="zh-CN" altLang="en-US" smtClean="0"/>
               <a:t>‹#›</a:t>
             </a:fld>
@@ -2726,7 +2726,7 @@
     </p:spTree>
     <p:extLst>
       <p:ext uri="{BB962C8B-B14F-4D97-AF65-F5344CB8AC3E}">
-        <p14:creationId xmlns:p14="http://schemas.microsoft.com/office/powerpoint/2010/main" val="2880271455"/>
+        <p14:creationId xmlns:p14="http://schemas.microsoft.com/office/powerpoint/2010/main" val="1508901948"/>
       </p:ext>
     </p:extLst>
   </p:cSld>
@@ -2763,7 +2763,7 @@
           <p:cNvPr id="2" name="标题占位符 1">
             <a:extLst>
               <a:ext uri="{FF2B5EF4-FFF2-40B4-BE49-F238E27FC236}">
-                <a16:creationId xmlns:a16="http://schemas.microsoft.com/office/drawing/2014/main" id="{B5DDDB22-DA96-0961-133A-EA4FEE69AF7A}"/>
+                <a16:creationId xmlns:a16="http://schemas.microsoft.com/office/drawing/2014/main" id="{8A5AEA1D-A341-A61E-CC90-EA148F6B0F73}"/>
               </a:ext>
             </a:extLst>
           </p:cNvPr>
@@ -2801,7 +2801,7 @@
           <p:cNvPr id="3" name="文本占位符 2">
             <a:extLst>
               <a:ext uri="{FF2B5EF4-FFF2-40B4-BE49-F238E27FC236}">
-                <a16:creationId xmlns:a16="http://schemas.microsoft.com/office/drawing/2014/main" id="{AA7D188B-227C-267C-7BCD-FD3EC65ADF93}"/>
+                <a16:creationId xmlns:a16="http://schemas.microsoft.com/office/drawing/2014/main" id="{CF0FA5C7-9B5D-7F47-5FC4-51F62C8A7039}"/>
               </a:ext>
             </a:extLst>
           </p:cNvPr>
@@ -2868,7 +2868,7 @@
           <p:cNvPr id="4" name="日期占位符 3">
             <a:extLst>
               <a:ext uri="{FF2B5EF4-FFF2-40B4-BE49-F238E27FC236}">
-                <a16:creationId xmlns:a16="http://schemas.microsoft.com/office/drawing/2014/main" id="{F6FC9A69-B7D4-55F8-DF9F-9917E1C57C19}"/>
+                <a16:creationId xmlns:a16="http://schemas.microsoft.com/office/drawing/2014/main" id="{36BEFCAF-0087-35F8-3739-993BBCEBEF94}"/>
               </a:ext>
             </a:extLst>
           </p:cNvPr>
@@ -2902,7 +2902,7 @@
             </a:lvl1pPr>
           </a:lstStyle>
           <a:p>
-            <a:fld id="{6B35CAD3-85FB-460F-8C81-62ABADBA3E1A}" type="datetimeFigureOut">
+            <a:fld id="{C525F6BB-8CC6-4610-9718-5933B464ED27}" type="datetimeFigureOut">
               <a:rPr lang="zh-CN" altLang="en-US" smtClean="0"/>
               <a:t>2024/3/10</a:t>
             </a:fld>
@@ -2915,7 +2915,7 @@
           <p:cNvPr id="5" name="页脚占位符 4">
             <a:extLst>
               <a:ext uri="{FF2B5EF4-FFF2-40B4-BE49-F238E27FC236}">
-                <a16:creationId xmlns:a16="http://schemas.microsoft.com/office/drawing/2014/main" id="{4B9D1E26-69BA-FE1D-088D-A46E029C2789}"/>
+                <a16:creationId xmlns:a16="http://schemas.microsoft.com/office/drawing/2014/main" id="{08F4688B-A73E-0F70-2C4C-849ED702CFA8}"/>
               </a:ext>
             </a:extLst>
           </p:cNvPr>
@@ -2958,7 +2958,7 @@
           <p:cNvPr id="6" name="灯片编号占位符 5">
             <a:extLst>
               <a:ext uri="{FF2B5EF4-FFF2-40B4-BE49-F238E27FC236}">
-                <a16:creationId xmlns:a16="http://schemas.microsoft.com/office/drawing/2014/main" id="{E9477E62-101B-980F-5A80-A76AD47A8BDB}"/>
+                <a16:creationId xmlns:a16="http://schemas.microsoft.com/office/drawing/2014/main" id="{64E0D0B9-AEBC-5B56-084A-2C0D28DAA4B0}"/>
               </a:ext>
             </a:extLst>
           </p:cNvPr>
@@ -2992,7 +2992,7 @@
             </a:lvl1pPr>
           </a:lstStyle>
           <a:p>
-            <a:fld id="{74457D09-82B4-49DE-9B08-5395770F5DB5}" type="slidenum">
+            <a:fld id="{76841234-BA06-479D-A2E0-90F56F3B0387}" type="slidenum">
               <a:rPr lang="zh-CN" altLang="en-US" smtClean="0"/>
               <a:t>‹#›</a:t>
             </a:fld>
@@ -3003,7 +3003,7 @@
     </p:spTree>
     <p:extLst>
       <p:ext uri="{BB962C8B-B14F-4D97-AF65-F5344CB8AC3E}">
-        <p14:creationId xmlns:p14="http://schemas.microsoft.com/office/powerpoint/2010/main" val="3606068495"/>
+        <p14:creationId xmlns:p14="http://schemas.microsoft.com/office/powerpoint/2010/main" val="3915668060"/>
       </p:ext>
     </p:extLst>
   </p:cSld>
@@ -3323,7 +3323,7 @@
       </p:grpSpPr>
       <p:pic>
         <p:nvPicPr>
-          <p:cNvPr id="669698" name="Picture 2" descr="653"/>
+          <p:cNvPr id="670722" name="Picture 2" descr="654"/>
           <p:cNvPicPr>
             <a:picLocks noChangeAspect="1" noChangeArrowheads="1"/>
           </p:cNvPicPr>
